--- a/ppt 16-9/0169.平安之夜.pptx
+++ b/ppt 16-9/0169.平安之夜.pptx
@@ -5,7 +5,7 @@
     <p:sldMasterId id="2147483648" r:id="rId1"/>
   </p:sldMasterIdLst>
   <p:sldIdLst>
-    <p:sldId id="2774" r:id="rId2"/>
+    <p:sldId id="2790" r:id="rId2"/>
   </p:sldIdLst>
   <p:sldSz cx="12192000" cy="6858000"/>
   <p:notesSz cx="6858000" cy="9144000"/>
@@ -129,7 +129,7 @@
           <p:cNvPr id="2" name="标题 1">
             <a:extLst>
               <a:ext uri="{FF2B5EF4-FFF2-40B4-BE49-F238E27FC236}">
-                <a16:creationId xmlns:a16="http://schemas.microsoft.com/office/drawing/2014/main" id="{09716623-F8E1-247E-3A39-119C502889B2}"/>
+                <a16:creationId xmlns:a16="http://schemas.microsoft.com/office/drawing/2014/main" id="{F7323001-2510-6AE8-913A-E418AE2D09AC}"/>
               </a:ext>
             </a:extLst>
           </p:cNvPr>
@@ -166,7 +166,7 @@
           <p:cNvPr id="3" name="副标题 2">
             <a:extLst>
               <a:ext uri="{FF2B5EF4-FFF2-40B4-BE49-F238E27FC236}">
-                <a16:creationId xmlns:a16="http://schemas.microsoft.com/office/drawing/2014/main" id="{C908A387-F371-1DD4-8C33-331866632255}"/>
+                <a16:creationId xmlns:a16="http://schemas.microsoft.com/office/drawing/2014/main" id="{5C536056-7F1E-45FF-074C-2E7F381EF7F6}"/>
               </a:ext>
             </a:extLst>
           </p:cNvPr>
@@ -236,7 +236,7 @@
           <p:cNvPr id="4" name="日期占位符 3">
             <a:extLst>
               <a:ext uri="{FF2B5EF4-FFF2-40B4-BE49-F238E27FC236}">
-                <a16:creationId xmlns:a16="http://schemas.microsoft.com/office/drawing/2014/main" id="{D6BB9F2B-724A-C3EF-A8BD-08890701F3ED}"/>
+                <a16:creationId xmlns:a16="http://schemas.microsoft.com/office/drawing/2014/main" id="{F15CA450-4C23-AEAA-40AB-79BB867E0C44}"/>
               </a:ext>
             </a:extLst>
           </p:cNvPr>
@@ -252,7 +252,7 @@
           <a:bodyPr/>
           <a:lstStyle/>
           <a:p>
-            <a:fld id="{35B1EF9E-D5F9-4E9D-A36F-A3C6DAF8C574}" type="datetimeFigureOut">
+            <a:fld id="{2804F26E-2F38-48BE-9E5A-CF8F3315315B}" type="datetimeFigureOut">
               <a:rPr lang="zh-CN" altLang="en-US" smtClean="0"/>
               <a:t>2024/3/10</a:t>
             </a:fld>
@@ -265,7 +265,7 @@
           <p:cNvPr id="5" name="页脚占位符 4">
             <a:extLst>
               <a:ext uri="{FF2B5EF4-FFF2-40B4-BE49-F238E27FC236}">
-                <a16:creationId xmlns:a16="http://schemas.microsoft.com/office/drawing/2014/main" id="{888BF3C5-34A8-8144-E761-09E54FB92A1D}"/>
+                <a16:creationId xmlns:a16="http://schemas.microsoft.com/office/drawing/2014/main" id="{B74B74C1-60C9-6B09-67BF-69A07B209731}"/>
               </a:ext>
             </a:extLst>
           </p:cNvPr>
@@ -290,7 +290,7 @@
           <p:cNvPr id="6" name="灯片编号占位符 5">
             <a:extLst>
               <a:ext uri="{FF2B5EF4-FFF2-40B4-BE49-F238E27FC236}">
-                <a16:creationId xmlns:a16="http://schemas.microsoft.com/office/drawing/2014/main" id="{967430B6-4D6D-A92D-C0EC-695B65388A18}"/>
+                <a16:creationId xmlns:a16="http://schemas.microsoft.com/office/drawing/2014/main" id="{7E969CF6-EAAF-0C2D-134A-E9298A95841B}"/>
               </a:ext>
             </a:extLst>
           </p:cNvPr>
@@ -306,7 +306,7 @@
           <a:bodyPr/>
           <a:lstStyle/>
           <a:p>
-            <a:fld id="{F3C63C7B-9B4F-4D1C-8571-35D918DD4379}" type="slidenum">
+            <a:fld id="{B033BC8C-061F-46A3-A7AB-5F7DDED974CD}" type="slidenum">
               <a:rPr lang="zh-CN" altLang="en-US" smtClean="0"/>
               <a:t>‹#›</a:t>
             </a:fld>
@@ -317,7 +317,7 @@
     </p:spTree>
     <p:extLst>
       <p:ext uri="{BB962C8B-B14F-4D97-AF65-F5344CB8AC3E}">
-        <p14:creationId xmlns:p14="http://schemas.microsoft.com/office/powerpoint/2010/main" val="2451103174"/>
+        <p14:creationId xmlns:p14="http://schemas.microsoft.com/office/powerpoint/2010/main" val="3328340898"/>
       </p:ext>
     </p:extLst>
   </p:cSld>
@@ -349,7 +349,7 @@
           <p:cNvPr id="2" name="标题 1">
             <a:extLst>
               <a:ext uri="{FF2B5EF4-FFF2-40B4-BE49-F238E27FC236}">
-                <a16:creationId xmlns:a16="http://schemas.microsoft.com/office/drawing/2014/main" id="{6029A9F9-EE6E-0A97-9017-8E9CB6DAA897}"/>
+                <a16:creationId xmlns:a16="http://schemas.microsoft.com/office/drawing/2014/main" id="{CD67E692-D5CC-F7EE-B68A-4B7F30E72E32}"/>
               </a:ext>
             </a:extLst>
           </p:cNvPr>
@@ -377,7 +377,7 @@
           <p:cNvPr id="3" name="竖排文字占位符 2">
             <a:extLst>
               <a:ext uri="{FF2B5EF4-FFF2-40B4-BE49-F238E27FC236}">
-                <a16:creationId xmlns:a16="http://schemas.microsoft.com/office/drawing/2014/main" id="{B2BB1A9B-2A00-604D-435A-D44B90656469}"/>
+                <a16:creationId xmlns:a16="http://schemas.microsoft.com/office/drawing/2014/main" id="{AA754D35-8FCF-6337-7DA2-D2617CEE0547}"/>
               </a:ext>
             </a:extLst>
           </p:cNvPr>
@@ -434,7 +434,7 @@
           <p:cNvPr id="4" name="日期占位符 3">
             <a:extLst>
               <a:ext uri="{FF2B5EF4-FFF2-40B4-BE49-F238E27FC236}">
-                <a16:creationId xmlns:a16="http://schemas.microsoft.com/office/drawing/2014/main" id="{D376F5EA-F433-D115-6A9F-9EA18B36B2C6}"/>
+                <a16:creationId xmlns:a16="http://schemas.microsoft.com/office/drawing/2014/main" id="{6A059BD2-A48F-A0FA-7B43-3DD9F4F2C9FA}"/>
               </a:ext>
             </a:extLst>
           </p:cNvPr>
@@ -450,7 +450,7 @@
           <a:bodyPr/>
           <a:lstStyle/>
           <a:p>
-            <a:fld id="{35B1EF9E-D5F9-4E9D-A36F-A3C6DAF8C574}" type="datetimeFigureOut">
+            <a:fld id="{2804F26E-2F38-48BE-9E5A-CF8F3315315B}" type="datetimeFigureOut">
               <a:rPr lang="zh-CN" altLang="en-US" smtClean="0"/>
               <a:t>2024/3/10</a:t>
             </a:fld>
@@ -463,7 +463,7 @@
           <p:cNvPr id="5" name="页脚占位符 4">
             <a:extLst>
               <a:ext uri="{FF2B5EF4-FFF2-40B4-BE49-F238E27FC236}">
-                <a16:creationId xmlns:a16="http://schemas.microsoft.com/office/drawing/2014/main" id="{56CC5363-6CF4-714E-1A29-4A16DFA9AC6F}"/>
+                <a16:creationId xmlns:a16="http://schemas.microsoft.com/office/drawing/2014/main" id="{8A0EE36B-3AF5-ED70-F03C-313543D131A1}"/>
               </a:ext>
             </a:extLst>
           </p:cNvPr>
@@ -488,7 +488,7 @@
           <p:cNvPr id="6" name="灯片编号占位符 5">
             <a:extLst>
               <a:ext uri="{FF2B5EF4-FFF2-40B4-BE49-F238E27FC236}">
-                <a16:creationId xmlns:a16="http://schemas.microsoft.com/office/drawing/2014/main" id="{42BE909C-8611-CB56-CBF6-129C36842F22}"/>
+                <a16:creationId xmlns:a16="http://schemas.microsoft.com/office/drawing/2014/main" id="{83F49E72-4C43-12AD-238A-EE0BBD14EF37}"/>
               </a:ext>
             </a:extLst>
           </p:cNvPr>
@@ -504,7 +504,7 @@
           <a:bodyPr/>
           <a:lstStyle/>
           <a:p>
-            <a:fld id="{F3C63C7B-9B4F-4D1C-8571-35D918DD4379}" type="slidenum">
+            <a:fld id="{B033BC8C-061F-46A3-A7AB-5F7DDED974CD}" type="slidenum">
               <a:rPr lang="zh-CN" altLang="en-US" smtClean="0"/>
               <a:t>‹#›</a:t>
             </a:fld>
@@ -515,7 +515,7 @@
     </p:spTree>
     <p:extLst>
       <p:ext uri="{BB962C8B-B14F-4D97-AF65-F5344CB8AC3E}">
-        <p14:creationId xmlns:p14="http://schemas.microsoft.com/office/powerpoint/2010/main" val="831369352"/>
+        <p14:creationId xmlns:p14="http://schemas.microsoft.com/office/powerpoint/2010/main" val="1739955205"/>
       </p:ext>
     </p:extLst>
   </p:cSld>
@@ -547,7 +547,7 @@
           <p:cNvPr id="2" name="竖排标题 1">
             <a:extLst>
               <a:ext uri="{FF2B5EF4-FFF2-40B4-BE49-F238E27FC236}">
-                <a16:creationId xmlns:a16="http://schemas.microsoft.com/office/drawing/2014/main" id="{B6BBFFCE-539D-6758-3C69-08FD4592DAF1}"/>
+                <a16:creationId xmlns:a16="http://schemas.microsoft.com/office/drawing/2014/main" id="{89393CC3-3016-B9CC-B718-B67D94DD72D5}"/>
               </a:ext>
             </a:extLst>
           </p:cNvPr>
@@ -580,7 +580,7 @@
           <p:cNvPr id="3" name="竖排文字占位符 2">
             <a:extLst>
               <a:ext uri="{FF2B5EF4-FFF2-40B4-BE49-F238E27FC236}">
-                <a16:creationId xmlns:a16="http://schemas.microsoft.com/office/drawing/2014/main" id="{D9406589-E232-5E87-AE59-63924CF03198}"/>
+                <a16:creationId xmlns:a16="http://schemas.microsoft.com/office/drawing/2014/main" id="{C1052B70-D88E-9885-093A-30BCAD70C6E2}"/>
               </a:ext>
             </a:extLst>
           </p:cNvPr>
@@ -642,7 +642,7 @@
           <p:cNvPr id="4" name="日期占位符 3">
             <a:extLst>
               <a:ext uri="{FF2B5EF4-FFF2-40B4-BE49-F238E27FC236}">
-                <a16:creationId xmlns:a16="http://schemas.microsoft.com/office/drawing/2014/main" id="{8485677C-E6EA-7995-64E3-31730C4C80F6}"/>
+                <a16:creationId xmlns:a16="http://schemas.microsoft.com/office/drawing/2014/main" id="{FB3711C8-86A3-81CA-C822-36EBE8FB3126}"/>
               </a:ext>
             </a:extLst>
           </p:cNvPr>
@@ -658,7 +658,7 @@
           <a:bodyPr/>
           <a:lstStyle/>
           <a:p>
-            <a:fld id="{35B1EF9E-D5F9-4E9D-A36F-A3C6DAF8C574}" type="datetimeFigureOut">
+            <a:fld id="{2804F26E-2F38-48BE-9E5A-CF8F3315315B}" type="datetimeFigureOut">
               <a:rPr lang="zh-CN" altLang="en-US" smtClean="0"/>
               <a:t>2024/3/10</a:t>
             </a:fld>
@@ -671,7 +671,7 @@
           <p:cNvPr id="5" name="页脚占位符 4">
             <a:extLst>
               <a:ext uri="{FF2B5EF4-FFF2-40B4-BE49-F238E27FC236}">
-                <a16:creationId xmlns:a16="http://schemas.microsoft.com/office/drawing/2014/main" id="{6F0F3113-977B-85ED-8CBB-041E5F9E7403}"/>
+                <a16:creationId xmlns:a16="http://schemas.microsoft.com/office/drawing/2014/main" id="{38A0BFB8-8D82-2B38-3457-D51C422FAA05}"/>
               </a:ext>
             </a:extLst>
           </p:cNvPr>
@@ -696,7 +696,7 @@
           <p:cNvPr id="6" name="灯片编号占位符 5">
             <a:extLst>
               <a:ext uri="{FF2B5EF4-FFF2-40B4-BE49-F238E27FC236}">
-                <a16:creationId xmlns:a16="http://schemas.microsoft.com/office/drawing/2014/main" id="{B8529CD9-07AA-4732-C50B-2C21FAFE666C}"/>
+                <a16:creationId xmlns:a16="http://schemas.microsoft.com/office/drawing/2014/main" id="{783DBF00-E858-EA89-91BD-010253C7BFF3}"/>
               </a:ext>
             </a:extLst>
           </p:cNvPr>
@@ -712,7 +712,7 @@
           <a:bodyPr/>
           <a:lstStyle/>
           <a:p>
-            <a:fld id="{F3C63C7B-9B4F-4D1C-8571-35D918DD4379}" type="slidenum">
+            <a:fld id="{B033BC8C-061F-46A3-A7AB-5F7DDED974CD}" type="slidenum">
               <a:rPr lang="zh-CN" altLang="en-US" smtClean="0"/>
               <a:t>‹#›</a:t>
             </a:fld>
@@ -723,7 +723,7 @@
     </p:spTree>
     <p:extLst>
       <p:ext uri="{BB962C8B-B14F-4D97-AF65-F5344CB8AC3E}">
-        <p14:creationId xmlns:p14="http://schemas.microsoft.com/office/powerpoint/2010/main" val="3578713530"/>
+        <p14:creationId xmlns:p14="http://schemas.microsoft.com/office/powerpoint/2010/main" val="186353086"/>
       </p:ext>
     </p:extLst>
   </p:cSld>
@@ -755,7 +755,7 @@
           <p:cNvPr id="2" name="标题 1">
             <a:extLst>
               <a:ext uri="{FF2B5EF4-FFF2-40B4-BE49-F238E27FC236}">
-                <a16:creationId xmlns:a16="http://schemas.microsoft.com/office/drawing/2014/main" id="{A19CBA65-3DFC-BA0A-872F-17EB2FBDBC3F}"/>
+                <a16:creationId xmlns:a16="http://schemas.microsoft.com/office/drawing/2014/main" id="{D95EBA40-2091-CA10-037C-01A5574D2BC8}"/>
               </a:ext>
             </a:extLst>
           </p:cNvPr>
@@ -783,7 +783,7 @@
           <p:cNvPr id="3" name="内容占位符 2">
             <a:extLst>
               <a:ext uri="{FF2B5EF4-FFF2-40B4-BE49-F238E27FC236}">
-                <a16:creationId xmlns:a16="http://schemas.microsoft.com/office/drawing/2014/main" id="{95F49750-10C2-2B41-E524-2075CB1E4695}"/>
+                <a16:creationId xmlns:a16="http://schemas.microsoft.com/office/drawing/2014/main" id="{401F5ADE-2F98-6B12-CA41-B68623318873}"/>
               </a:ext>
             </a:extLst>
           </p:cNvPr>
@@ -840,7 +840,7 @@
           <p:cNvPr id="4" name="日期占位符 3">
             <a:extLst>
               <a:ext uri="{FF2B5EF4-FFF2-40B4-BE49-F238E27FC236}">
-                <a16:creationId xmlns:a16="http://schemas.microsoft.com/office/drawing/2014/main" id="{84006F42-F1C9-907E-6BD5-DB01F09A6C14}"/>
+                <a16:creationId xmlns:a16="http://schemas.microsoft.com/office/drawing/2014/main" id="{54225A4C-6BFC-CF07-ECFA-7F43CE7DA326}"/>
               </a:ext>
             </a:extLst>
           </p:cNvPr>
@@ -856,7 +856,7 @@
           <a:bodyPr/>
           <a:lstStyle/>
           <a:p>
-            <a:fld id="{35B1EF9E-D5F9-4E9D-A36F-A3C6DAF8C574}" type="datetimeFigureOut">
+            <a:fld id="{2804F26E-2F38-48BE-9E5A-CF8F3315315B}" type="datetimeFigureOut">
               <a:rPr lang="zh-CN" altLang="en-US" smtClean="0"/>
               <a:t>2024/3/10</a:t>
             </a:fld>
@@ -869,7 +869,7 @@
           <p:cNvPr id="5" name="页脚占位符 4">
             <a:extLst>
               <a:ext uri="{FF2B5EF4-FFF2-40B4-BE49-F238E27FC236}">
-                <a16:creationId xmlns:a16="http://schemas.microsoft.com/office/drawing/2014/main" id="{E6AA9E4A-840D-AD5C-F282-4B98BE7984F1}"/>
+                <a16:creationId xmlns:a16="http://schemas.microsoft.com/office/drawing/2014/main" id="{83F515D4-1987-7329-CF26-08077C27B0A2}"/>
               </a:ext>
             </a:extLst>
           </p:cNvPr>
@@ -894,7 +894,7 @@
           <p:cNvPr id="6" name="灯片编号占位符 5">
             <a:extLst>
               <a:ext uri="{FF2B5EF4-FFF2-40B4-BE49-F238E27FC236}">
-                <a16:creationId xmlns:a16="http://schemas.microsoft.com/office/drawing/2014/main" id="{4F32E7A9-33E7-97CE-F3D5-7E47A734E34B}"/>
+                <a16:creationId xmlns:a16="http://schemas.microsoft.com/office/drawing/2014/main" id="{BFF6D08C-065A-5DDF-7C30-A53EF95ED9BD}"/>
               </a:ext>
             </a:extLst>
           </p:cNvPr>
@@ -910,7 +910,7 @@
           <a:bodyPr/>
           <a:lstStyle/>
           <a:p>
-            <a:fld id="{F3C63C7B-9B4F-4D1C-8571-35D918DD4379}" type="slidenum">
+            <a:fld id="{B033BC8C-061F-46A3-A7AB-5F7DDED974CD}" type="slidenum">
               <a:rPr lang="zh-CN" altLang="en-US" smtClean="0"/>
               <a:t>‹#›</a:t>
             </a:fld>
@@ -921,7 +921,7 @@
     </p:spTree>
     <p:extLst>
       <p:ext uri="{BB962C8B-B14F-4D97-AF65-F5344CB8AC3E}">
-        <p14:creationId xmlns:p14="http://schemas.microsoft.com/office/powerpoint/2010/main" val="3244203429"/>
+        <p14:creationId xmlns:p14="http://schemas.microsoft.com/office/powerpoint/2010/main" val="523512329"/>
       </p:ext>
     </p:extLst>
   </p:cSld>
@@ -953,7 +953,7 @@
           <p:cNvPr id="2" name="标题 1">
             <a:extLst>
               <a:ext uri="{FF2B5EF4-FFF2-40B4-BE49-F238E27FC236}">
-                <a16:creationId xmlns:a16="http://schemas.microsoft.com/office/drawing/2014/main" id="{AF4811F2-72F9-7646-897B-3336BCAE782B}"/>
+                <a16:creationId xmlns:a16="http://schemas.microsoft.com/office/drawing/2014/main" id="{75CB1781-3CFE-B647-7D5D-E3A637A1715E}"/>
               </a:ext>
             </a:extLst>
           </p:cNvPr>
@@ -990,7 +990,7 @@
           <p:cNvPr id="3" name="文本占位符 2">
             <a:extLst>
               <a:ext uri="{FF2B5EF4-FFF2-40B4-BE49-F238E27FC236}">
-                <a16:creationId xmlns:a16="http://schemas.microsoft.com/office/drawing/2014/main" id="{9728ACD0-6258-D388-B6A5-AE98D8B3E0C3}"/>
+                <a16:creationId xmlns:a16="http://schemas.microsoft.com/office/drawing/2014/main" id="{EF024934-F540-7552-B8EB-D19097C66178}"/>
               </a:ext>
             </a:extLst>
           </p:cNvPr>
@@ -1115,7 +1115,7 @@
           <p:cNvPr id="4" name="日期占位符 3">
             <a:extLst>
               <a:ext uri="{FF2B5EF4-FFF2-40B4-BE49-F238E27FC236}">
-                <a16:creationId xmlns:a16="http://schemas.microsoft.com/office/drawing/2014/main" id="{16A4AC1E-D700-5AC8-7493-354086737230}"/>
+                <a16:creationId xmlns:a16="http://schemas.microsoft.com/office/drawing/2014/main" id="{1255A7F1-9322-695E-560A-AEEDA20E7E1D}"/>
               </a:ext>
             </a:extLst>
           </p:cNvPr>
@@ -1131,7 +1131,7 @@
           <a:bodyPr/>
           <a:lstStyle/>
           <a:p>
-            <a:fld id="{35B1EF9E-D5F9-4E9D-A36F-A3C6DAF8C574}" type="datetimeFigureOut">
+            <a:fld id="{2804F26E-2F38-48BE-9E5A-CF8F3315315B}" type="datetimeFigureOut">
               <a:rPr lang="zh-CN" altLang="en-US" smtClean="0"/>
               <a:t>2024/3/10</a:t>
             </a:fld>
@@ -1144,7 +1144,7 @@
           <p:cNvPr id="5" name="页脚占位符 4">
             <a:extLst>
               <a:ext uri="{FF2B5EF4-FFF2-40B4-BE49-F238E27FC236}">
-                <a16:creationId xmlns:a16="http://schemas.microsoft.com/office/drawing/2014/main" id="{95D701F2-46F6-B0D4-0935-6109E797AE85}"/>
+                <a16:creationId xmlns:a16="http://schemas.microsoft.com/office/drawing/2014/main" id="{8D1B4E8B-C418-6095-7326-37CCD6A438CB}"/>
               </a:ext>
             </a:extLst>
           </p:cNvPr>
@@ -1169,7 +1169,7 @@
           <p:cNvPr id="6" name="灯片编号占位符 5">
             <a:extLst>
               <a:ext uri="{FF2B5EF4-FFF2-40B4-BE49-F238E27FC236}">
-                <a16:creationId xmlns:a16="http://schemas.microsoft.com/office/drawing/2014/main" id="{CA3D10B0-A6D3-B690-43D2-3FB966AD7E64}"/>
+                <a16:creationId xmlns:a16="http://schemas.microsoft.com/office/drawing/2014/main" id="{EE805342-FA4C-B005-1BB8-C2B0D20FB801}"/>
               </a:ext>
             </a:extLst>
           </p:cNvPr>
@@ -1185,7 +1185,7 @@
           <a:bodyPr/>
           <a:lstStyle/>
           <a:p>
-            <a:fld id="{F3C63C7B-9B4F-4D1C-8571-35D918DD4379}" type="slidenum">
+            <a:fld id="{B033BC8C-061F-46A3-A7AB-5F7DDED974CD}" type="slidenum">
               <a:rPr lang="zh-CN" altLang="en-US" smtClean="0"/>
               <a:t>‹#›</a:t>
             </a:fld>
@@ -1196,7 +1196,7 @@
     </p:spTree>
     <p:extLst>
       <p:ext uri="{BB962C8B-B14F-4D97-AF65-F5344CB8AC3E}">
-        <p14:creationId xmlns:p14="http://schemas.microsoft.com/office/powerpoint/2010/main" val="595257715"/>
+        <p14:creationId xmlns:p14="http://schemas.microsoft.com/office/powerpoint/2010/main" val="976545198"/>
       </p:ext>
     </p:extLst>
   </p:cSld>
@@ -1228,7 +1228,7 @@
           <p:cNvPr id="2" name="标题 1">
             <a:extLst>
               <a:ext uri="{FF2B5EF4-FFF2-40B4-BE49-F238E27FC236}">
-                <a16:creationId xmlns:a16="http://schemas.microsoft.com/office/drawing/2014/main" id="{24CBB5BB-E638-1637-946C-57B069A5E5F4}"/>
+                <a16:creationId xmlns:a16="http://schemas.microsoft.com/office/drawing/2014/main" id="{E98F2F98-4F3B-7A2B-FCE3-D9160B69F131}"/>
               </a:ext>
             </a:extLst>
           </p:cNvPr>
@@ -1256,7 +1256,7 @@
           <p:cNvPr id="3" name="内容占位符 2">
             <a:extLst>
               <a:ext uri="{FF2B5EF4-FFF2-40B4-BE49-F238E27FC236}">
-                <a16:creationId xmlns:a16="http://schemas.microsoft.com/office/drawing/2014/main" id="{CB96284D-3D6D-79AE-8FB3-39DB9FF610E9}"/>
+                <a16:creationId xmlns:a16="http://schemas.microsoft.com/office/drawing/2014/main" id="{CAB4080A-2507-3C3B-B05B-440BC41CD4D5}"/>
               </a:ext>
             </a:extLst>
           </p:cNvPr>
@@ -1318,7 +1318,7 @@
           <p:cNvPr id="4" name="内容占位符 3">
             <a:extLst>
               <a:ext uri="{FF2B5EF4-FFF2-40B4-BE49-F238E27FC236}">
-                <a16:creationId xmlns:a16="http://schemas.microsoft.com/office/drawing/2014/main" id="{C3A9CE61-39CE-A4F1-37E5-4329ABCB9D30}"/>
+                <a16:creationId xmlns:a16="http://schemas.microsoft.com/office/drawing/2014/main" id="{B580A210-A6C5-E48F-50DB-C4747E1A5C74}"/>
               </a:ext>
             </a:extLst>
           </p:cNvPr>
@@ -1380,7 +1380,7 @@
           <p:cNvPr id="5" name="日期占位符 4">
             <a:extLst>
               <a:ext uri="{FF2B5EF4-FFF2-40B4-BE49-F238E27FC236}">
-                <a16:creationId xmlns:a16="http://schemas.microsoft.com/office/drawing/2014/main" id="{54B0EE17-BFB8-9CF9-3D43-12E94B0C2EA1}"/>
+                <a16:creationId xmlns:a16="http://schemas.microsoft.com/office/drawing/2014/main" id="{FEE82DA2-C92B-A494-A34B-26F9F138D6F6}"/>
               </a:ext>
             </a:extLst>
           </p:cNvPr>
@@ -1396,7 +1396,7 @@
           <a:bodyPr/>
           <a:lstStyle/>
           <a:p>
-            <a:fld id="{35B1EF9E-D5F9-4E9D-A36F-A3C6DAF8C574}" type="datetimeFigureOut">
+            <a:fld id="{2804F26E-2F38-48BE-9E5A-CF8F3315315B}" type="datetimeFigureOut">
               <a:rPr lang="zh-CN" altLang="en-US" smtClean="0"/>
               <a:t>2024/3/10</a:t>
             </a:fld>
@@ -1409,7 +1409,7 @@
           <p:cNvPr id="6" name="页脚占位符 5">
             <a:extLst>
               <a:ext uri="{FF2B5EF4-FFF2-40B4-BE49-F238E27FC236}">
-                <a16:creationId xmlns:a16="http://schemas.microsoft.com/office/drawing/2014/main" id="{33E8264C-E2C4-4751-0D94-4D04E6D84603}"/>
+                <a16:creationId xmlns:a16="http://schemas.microsoft.com/office/drawing/2014/main" id="{C1E7189D-423C-6DF9-334A-149316D14078}"/>
               </a:ext>
             </a:extLst>
           </p:cNvPr>
@@ -1434,7 +1434,7 @@
           <p:cNvPr id="7" name="灯片编号占位符 6">
             <a:extLst>
               <a:ext uri="{FF2B5EF4-FFF2-40B4-BE49-F238E27FC236}">
-                <a16:creationId xmlns:a16="http://schemas.microsoft.com/office/drawing/2014/main" id="{D2DA1B1A-C6E4-3B99-D4AD-2023DAEC81D1}"/>
+                <a16:creationId xmlns:a16="http://schemas.microsoft.com/office/drawing/2014/main" id="{B767BE0B-0B48-084C-23F3-B3BC7F8D5740}"/>
               </a:ext>
             </a:extLst>
           </p:cNvPr>
@@ -1450,7 +1450,7 @@
           <a:bodyPr/>
           <a:lstStyle/>
           <a:p>
-            <a:fld id="{F3C63C7B-9B4F-4D1C-8571-35D918DD4379}" type="slidenum">
+            <a:fld id="{B033BC8C-061F-46A3-A7AB-5F7DDED974CD}" type="slidenum">
               <a:rPr lang="zh-CN" altLang="en-US" smtClean="0"/>
               <a:t>‹#›</a:t>
             </a:fld>
@@ -1461,7 +1461,7 @@
     </p:spTree>
     <p:extLst>
       <p:ext uri="{BB962C8B-B14F-4D97-AF65-F5344CB8AC3E}">
-        <p14:creationId xmlns:p14="http://schemas.microsoft.com/office/powerpoint/2010/main" val="4084620287"/>
+        <p14:creationId xmlns:p14="http://schemas.microsoft.com/office/powerpoint/2010/main" val="1902772780"/>
       </p:ext>
     </p:extLst>
   </p:cSld>
@@ -1493,7 +1493,7 @@
           <p:cNvPr id="2" name="标题 1">
             <a:extLst>
               <a:ext uri="{FF2B5EF4-FFF2-40B4-BE49-F238E27FC236}">
-                <a16:creationId xmlns:a16="http://schemas.microsoft.com/office/drawing/2014/main" id="{3E08B8C9-E48E-0D81-662C-0D6F21608949}"/>
+                <a16:creationId xmlns:a16="http://schemas.microsoft.com/office/drawing/2014/main" id="{26595994-961A-C886-D323-49D5C8DFFF9A}"/>
               </a:ext>
             </a:extLst>
           </p:cNvPr>
@@ -1526,7 +1526,7 @@
           <p:cNvPr id="3" name="文本占位符 2">
             <a:extLst>
               <a:ext uri="{FF2B5EF4-FFF2-40B4-BE49-F238E27FC236}">
-                <a16:creationId xmlns:a16="http://schemas.microsoft.com/office/drawing/2014/main" id="{20A6F916-2272-FA69-6D50-86D177E175C1}"/>
+                <a16:creationId xmlns:a16="http://schemas.microsoft.com/office/drawing/2014/main" id="{D91CEB12-26D5-E6A3-29D1-8C2D91E2F4AC}"/>
               </a:ext>
             </a:extLst>
           </p:cNvPr>
@@ -1597,7 +1597,7 @@
           <p:cNvPr id="4" name="内容占位符 3">
             <a:extLst>
               <a:ext uri="{FF2B5EF4-FFF2-40B4-BE49-F238E27FC236}">
-                <a16:creationId xmlns:a16="http://schemas.microsoft.com/office/drawing/2014/main" id="{FAF9AC5B-1282-96EC-C5CA-8FE686E515B6}"/>
+                <a16:creationId xmlns:a16="http://schemas.microsoft.com/office/drawing/2014/main" id="{71DBCBFE-2B92-4430-2C37-ED18E42530B3}"/>
               </a:ext>
             </a:extLst>
           </p:cNvPr>
@@ -1659,7 +1659,7 @@
           <p:cNvPr id="5" name="文本占位符 4">
             <a:extLst>
               <a:ext uri="{FF2B5EF4-FFF2-40B4-BE49-F238E27FC236}">
-                <a16:creationId xmlns:a16="http://schemas.microsoft.com/office/drawing/2014/main" id="{E6CB5D0A-8AF8-5AAB-5B03-61E30B1821F3}"/>
+                <a16:creationId xmlns:a16="http://schemas.microsoft.com/office/drawing/2014/main" id="{F10F375A-D714-79D8-BB52-107EDF98096B}"/>
               </a:ext>
             </a:extLst>
           </p:cNvPr>
@@ -1730,7 +1730,7 @@
           <p:cNvPr id="6" name="内容占位符 5">
             <a:extLst>
               <a:ext uri="{FF2B5EF4-FFF2-40B4-BE49-F238E27FC236}">
-                <a16:creationId xmlns:a16="http://schemas.microsoft.com/office/drawing/2014/main" id="{A93BB759-EAE7-A60B-87E1-D739AB183E4F}"/>
+                <a16:creationId xmlns:a16="http://schemas.microsoft.com/office/drawing/2014/main" id="{4F15682B-7E2B-F598-1B1C-1383300A553B}"/>
               </a:ext>
             </a:extLst>
           </p:cNvPr>
@@ -1792,7 +1792,7 @@
           <p:cNvPr id="7" name="日期占位符 6">
             <a:extLst>
               <a:ext uri="{FF2B5EF4-FFF2-40B4-BE49-F238E27FC236}">
-                <a16:creationId xmlns:a16="http://schemas.microsoft.com/office/drawing/2014/main" id="{804B4E91-7D6F-123A-EA1D-B932BA9A35D8}"/>
+                <a16:creationId xmlns:a16="http://schemas.microsoft.com/office/drawing/2014/main" id="{47BB8421-1B01-11E8-3579-97266419667E}"/>
               </a:ext>
             </a:extLst>
           </p:cNvPr>
@@ -1808,7 +1808,7 @@
           <a:bodyPr/>
           <a:lstStyle/>
           <a:p>
-            <a:fld id="{35B1EF9E-D5F9-4E9D-A36F-A3C6DAF8C574}" type="datetimeFigureOut">
+            <a:fld id="{2804F26E-2F38-48BE-9E5A-CF8F3315315B}" type="datetimeFigureOut">
               <a:rPr lang="zh-CN" altLang="en-US" smtClean="0"/>
               <a:t>2024/3/10</a:t>
             </a:fld>
@@ -1821,7 +1821,7 @@
           <p:cNvPr id="8" name="页脚占位符 7">
             <a:extLst>
               <a:ext uri="{FF2B5EF4-FFF2-40B4-BE49-F238E27FC236}">
-                <a16:creationId xmlns:a16="http://schemas.microsoft.com/office/drawing/2014/main" id="{B753BD70-8369-75CF-3507-532B2200C6C6}"/>
+                <a16:creationId xmlns:a16="http://schemas.microsoft.com/office/drawing/2014/main" id="{E5A8E23F-D821-C2D5-C539-DEF16FA79FCE}"/>
               </a:ext>
             </a:extLst>
           </p:cNvPr>
@@ -1846,7 +1846,7 @@
           <p:cNvPr id="9" name="灯片编号占位符 8">
             <a:extLst>
               <a:ext uri="{FF2B5EF4-FFF2-40B4-BE49-F238E27FC236}">
-                <a16:creationId xmlns:a16="http://schemas.microsoft.com/office/drawing/2014/main" id="{9A9DB096-2272-35D0-8BB3-30E60E379C43}"/>
+                <a16:creationId xmlns:a16="http://schemas.microsoft.com/office/drawing/2014/main" id="{B18AC0F8-C7A1-5B96-22A1-22C049B63BFE}"/>
               </a:ext>
             </a:extLst>
           </p:cNvPr>
@@ -1862,7 +1862,7 @@
           <a:bodyPr/>
           <a:lstStyle/>
           <a:p>
-            <a:fld id="{F3C63C7B-9B4F-4D1C-8571-35D918DD4379}" type="slidenum">
+            <a:fld id="{B033BC8C-061F-46A3-A7AB-5F7DDED974CD}" type="slidenum">
               <a:rPr lang="zh-CN" altLang="en-US" smtClean="0"/>
               <a:t>‹#›</a:t>
             </a:fld>
@@ -1873,7 +1873,7 @@
     </p:spTree>
     <p:extLst>
       <p:ext uri="{BB962C8B-B14F-4D97-AF65-F5344CB8AC3E}">
-        <p14:creationId xmlns:p14="http://schemas.microsoft.com/office/powerpoint/2010/main" val="969134047"/>
+        <p14:creationId xmlns:p14="http://schemas.microsoft.com/office/powerpoint/2010/main" val="1858632262"/>
       </p:ext>
     </p:extLst>
   </p:cSld>
@@ -1905,7 +1905,7 @@
           <p:cNvPr id="2" name="标题 1">
             <a:extLst>
               <a:ext uri="{FF2B5EF4-FFF2-40B4-BE49-F238E27FC236}">
-                <a16:creationId xmlns:a16="http://schemas.microsoft.com/office/drawing/2014/main" id="{357A37FC-DBB0-62C0-A11A-EAA13BE3CE8E}"/>
+                <a16:creationId xmlns:a16="http://schemas.microsoft.com/office/drawing/2014/main" id="{8BA10469-BD6C-3A46-986C-686CC79B35FE}"/>
               </a:ext>
             </a:extLst>
           </p:cNvPr>
@@ -1933,7 +1933,7 @@
           <p:cNvPr id="3" name="日期占位符 2">
             <a:extLst>
               <a:ext uri="{FF2B5EF4-FFF2-40B4-BE49-F238E27FC236}">
-                <a16:creationId xmlns:a16="http://schemas.microsoft.com/office/drawing/2014/main" id="{976C064A-2561-9189-2F75-D9FFD2D45123}"/>
+                <a16:creationId xmlns:a16="http://schemas.microsoft.com/office/drawing/2014/main" id="{75D7CB5C-66A7-7C5D-E797-384C64552E6C}"/>
               </a:ext>
             </a:extLst>
           </p:cNvPr>
@@ -1949,7 +1949,7 @@
           <a:bodyPr/>
           <a:lstStyle/>
           <a:p>
-            <a:fld id="{35B1EF9E-D5F9-4E9D-A36F-A3C6DAF8C574}" type="datetimeFigureOut">
+            <a:fld id="{2804F26E-2F38-48BE-9E5A-CF8F3315315B}" type="datetimeFigureOut">
               <a:rPr lang="zh-CN" altLang="en-US" smtClean="0"/>
               <a:t>2024/3/10</a:t>
             </a:fld>
@@ -1962,7 +1962,7 @@
           <p:cNvPr id="4" name="页脚占位符 3">
             <a:extLst>
               <a:ext uri="{FF2B5EF4-FFF2-40B4-BE49-F238E27FC236}">
-                <a16:creationId xmlns:a16="http://schemas.microsoft.com/office/drawing/2014/main" id="{49E66D3C-0C22-759F-3776-674D6784D4F4}"/>
+                <a16:creationId xmlns:a16="http://schemas.microsoft.com/office/drawing/2014/main" id="{08130512-165D-55A5-CA3D-81579FF51934}"/>
               </a:ext>
             </a:extLst>
           </p:cNvPr>
@@ -1987,7 +1987,7 @@
           <p:cNvPr id="5" name="灯片编号占位符 4">
             <a:extLst>
               <a:ext uri="{FF2B5EF4-FFF2-40B4-BE49-F238E27FC236}">
-                <a16:creationId xmlns:a16="http://schemas.microsoft.com/office/drawing/2014/main" id="{DF46202F-9639-9745-C5C4-A5BE259CECAD}"/>
+                <a16:creationId xmlns:a16="http://schemas.microsoft.com/office/drawing/2014/main" id="{9E189726-0243-0B99-28F7-233B99DADBFC}"/>
               </a:ext>
             </a:extLst>
           </p:cNvPr>
@@ -2003,7 +2003,7 @@
           <a:bodyPr/>
           <a:lstStyle/>
           <a:p>
-            <a:fld id="{F3C63C7B-9B4F-4D1C-8571-35D918DD4379}" type="slidenum">
+            <a:fld id="{B033BC8C-061F-46A3-A7AB-5F7DDED974CD}" type="slidenum">
               <a:rPr lang="zh-CN" altLang="en-US" smtClean="0"/>
               <a:t>‹#›</a:t>
             </a:fld>
@@ -2014,7 +2014,7 @@
     </p:spTree>
     <p:extLst>
       <p:ext uri="{BB962C8B-B14F-4D97-AF65-F5344CB8AC3E}">
-        <p14:creationId xmlns:p14="http://schemas.microsoft.com/office/powerpoint/2010/main" val="2448592436"/>
+        <p14:creationId xmlns:p14="http://schemas.microsoft.com/office/powerpoint/2010/main" val="1454525793"/>
       </p:ext>
     </p:extLst>
   </p:cSld>
@@ -2046,7 +2046,7 @@
           <p:cNvPr id="2" name="日期占位符 1">
             <a:extLst>
               <a:ext uri="{FF2B5EF4-FFF2-40B4-BE49-F238E27FC236}">
-                <a16:creationId xmlns:a16="http://schemas.microsoft.com/office/drawing/2014/main" id="{06329C78-1EAE-06D8-D9B3-F4747296979D}"/>
+                <a16:creationId xmlns:a16="http://schemas.microsoft.com/office/drawing/2014/main" id="{E0878922-DFE9-0F01-49A7-9AB12E26A16A}"/>
               </a:ext>
             </a:extLst>
           </p:cNvPr>
@@ -2062,7 +2062,7 @@
           <a:bodyPr/>
           <a:lstStyle/>
           <a:p>
-            <a:fld id="{35B1EF9E-D5F9-4E9D-A36F-A3C6DAF8C574}" type="datetimeFigureOut">
+            <a:fld id="{2804F26E-2F38-48BE-9E5A-CF8F3315315B}" type="datetimeFigureOut">
               <a:rPr lang="zh-CN" altLang="en-US" smtClean="0"/>
               <a:t>2024/3/10</a:t>
             </a:fld>
@@ -2075,7 +2075,7 @@
           <p:cNvPr id="3" name="页脚占位符 2">
             <a:extLst>
               <a:ext uri="{FF2B5EF4-FFF2-40B4-BE49-F238E27FC236}">
-                <a16:creationId xmlns:a16="http://schemas.microsoft.com/office/drawing/2014/main" id="{ED480D9B-9AD2-21D7-260F-047275A51588}"/>
+                <a16:creationId xmlns:a16="http://schemas.microsoft.com/office/drawing/2014/main" id="{72063873-A144-342E-9E10-68855FFBA604}"/>
               </a:ext>
             </a:extLst>
           </p:cNvPr>
@@ -2100,7 +2100,7 @@
           <p:cNvPr id="4" name="灯片编号占位符 3">
             <a:extLst>
               <a:ext uri="{FF2B5EF4-FFF2-40B4-BE49-F238E27FC236}">
-                <a16:creationId xmlns:a16="http://schemas.microsoft.com/office/drawing/2014/main" id="{5830B46E-570E-3311-8EC2-56758A4E0F5B}"/>
+                <a16:creationId xmlns:a16="http://schemas.microsoft.com/office/drawing/2014/main" id="{6E8190F5-7A8F-CA87-AECA-CD6E7E7D0D17}"/>
               </a:ext>
             </a:extLst>
           </p:cNvPr>
@@ -2116,7 +2116,7 @@
           <a:bodyPr/>
           <a:lstStyle/>
           <a:p>
-            <a:fld id="{F3C63C7B-9B4F-4D1C-8571-35D918DD4379}" type="slidenum">
+            <a:fld id="{B033BC8C-061F-46A3-A7AB-5F7DDED974CD}" type="slidenum">
               <a:rPr lang="zh-CN" altLang="en-US" smtClean="0"/>
               <a:t>‹#›</a:t>
             </a:fld>
@@ -2127,7 +2127,7 @@
     </p:spTree>
     <p:extLst>
       <p:ext uri="{BB962C8B-B14F-4D97-AF65-F5344CB8AC3E}">
-        <p14:creationId xmlns:p14="http://schemas.microsoft.com/office/powerpoint/2010/main" val="3898120631"/>
+        <p14:creationId xmlns:p14="http://schemas.microsoft.com/office/powerpoint/2010/main" val="1866125508"/>
       </p:ext>
     </p:extLst>
   </p:cSld>
@@ -2159,7 +2159,7 @@
           <p:cNvPr id="2" name="标题 1">
             <a:extLst>
               <a:ext uri="{FF2B5EF4-FFF2-40B4-BE49-F238E27FC236}">
-                <a16:creationId xmlns:a16="http://schemas.microsoft.com/office/drawing/2014/main" id="{43A6ACD8-FD9D-B5E0-DA34-A6F7F9B1EFF7}"/>
+                <a16:creationId xmlns:a16="http://schemas.microsoft.com/office/drawing/2014/main" id="{45C360C5-A6D3-EBE6-6004-E65955F352FE}"/>
               </a:ext>
             </a:extLst>
           </p:cNvPr>
@@ -2196,7 +2196,7 @@
           <p:cNvPr id="3" name="内容占位符 2">
             <a:extLst>
               <a:ext uri="{FF2B5EF4-FFF2-40B4-BE49-F238E27FC236}">
-                <a16:creationId xmlns:a16="http://schemas.microsoft.com/office/drawing/2014/main" id="{A73ED4E3-F523-99AA-A828-12C6FF2F1C59}"/>
+                <a16:creationId xmlns:a16="http://schemas.microsoft.com/office/drawing/2014/main" id="{68345427-91FA-858F-844E-05C83D53BBC9}"/>
               </a:ext>
             </a:extLst>
           </p:cNvPr>
@@ -2286,7 +2286,7 @@
           <p:cNvPr id="4" name="文本占位符 3">
             <a:extLst>
               <a:ext uri="{FF2B5EF4-FFF2-40B4-BE49-F238E27FC236}">
-                <a16:creationId xmlns:a16="http://schemas.microsoft.com/office/drawing/2014/main" id="{11849626-602B-E8DE-9DEF-0091898919EC}"/>
+                <a16:creationId xmlns:a16="http://schemas.microsoft.com/office/drawing/2014/main" id="{FF54574D-D094-4605-3B48-23CDBF5A21CE}"/>
               </a:ext>
             </a:extLst>
           </p:cNvPr>
@@ -2357,7 +2357,7 @@
           <p:cNvPr id="5" name="日期占位符 4">
             <a:extLst>
               <a:ext uri="{FF2B5EF4-FFF2-40B4-BE49-F238E27FC236}">
-                <a16:creationId xmlns:a16="http://schemas.microsoft.com/office/drawing/2014/main" id="{3950ED3C-54BD-A1DE-48CC-1AFE923B018C}"/>
+                <a16:creationId xmlns:a16="http://schemas.microsoft.com/office/drawing/2014/main" id="{30FAC3FB-8ACA-A08F-16C4-012CB37A1C35}"/>
               </a:ext>
             </a:extLst>
           </p:cNvPr>
@@ -2373,7 +2373,7 @@
           <a:bodyPr/>
           <a:lstStyle/>
           <a:p>
-            <a:fld id="{35B1EF9E-D5F9-4E9D-A36F-A3C6DAF8C574}" type="datetimeFigureOut">
+            <a:fld id="{2804F26E-2F38-48BE-9E5A-CF8F3315315B}" type="datetimeFigureOut">
               <a:rPr lang="zh-CN" altLang="en-US" smtClean="0"/>
               <a:t>2024/3/10</a:t>
             </a:fld>
@@ -2386,7 +2386,7 @@
           <p:cNvPr id="6" name="页脚占位符 5">
             <a:extLst>
               <a:ext uri="{FF2B5EF4-FFF2-40B4-BE49-F238E27FC236}">
-                <a16:creationId xmlns:a16="http://schemas.microsoft.com/office/drawing/2014/main" id="{E57AFC6B-AADC-EEF2-05A7-BA1FDB7CD98D}"/>
+                <a16:creationId xmlns:a16="http://schemas.microsoft.com/office/drawing/2014/main" id="{321597E9-E549-6914-B93D-6AEC1D1F3BB5}"/>
               </a:ext>
             </a:extLst>
           </p:cNvPr>
@@ -2411,7 +2411,7 @@
           <p:cNvPr id="7" name="灯片编号占位符 6">
             <a:extLst>
               <a:ext uri="{FF2B5EF4-FFF2-40B4-BE49-F238E27FC236}">
-                <a16:creationId xmlns:a16="http://schemas.microsoft.com/office/drawing/2014/main" id="{3180467A-919A-24CD-A95C-CD5D54BCE08D}"/>
+                <a16:creationId xmlns:a16="http://schemas.microsoft.com/office/drawing/2014/main" id="{C22812D3-1FDC-795F-6357-E76DB1E9735F}"/>
               </a:ext>
             </a:extLst>
           </p:cNvPr>
@@ -2427,7 +2427,7 @@
           <a:bodyPr/>
           <a:lstStyle/>
           <a:p>
-            <a:fld id="{F3C63C7B-9B4F-4D1C-8571-35D918DD4379}" type="slidenum">
+            <a:fld id="{B033BC8C-061F-46A3-A7AB-5F7DDED974CD}" type="slidenum">
               <a:rPr lang="zh-CN" altLang="en-US" smtClean="0"/>
               <a:t>‹#›</a:t>
             </a:fld>
@@ -2438,7 +2438,7 @@
     </p:spTree>
     <p:extLst>
       <p:ext uri="{BB962C8B-B14F-4D97-AF65-F5344CB8AC3E}">
-        <p14:creationId xmlns:p14="http://schemas.microsoft.com/office/powerpoint/2010/main" val="3493155840"/>
+        <p14:creationId xmlns:p14="http://schemas.microsoft.com/office/powerpoint/2010/main" val="2611651037"/>
       </p:ext>
     </p:extLst>
   </p:cSld>
@@ -2470,7 +2470,7 @@
           <p:cNvPr id="2" name="标题 1">
             <a:extLst>
               <a:ext uri="{FF2B5EF4-FFF2-40B4-BE49-F238E27FC236}">
-                <a16:creationId xmlns:a16="http://schemas.microsoft.com/office/drawing/2014/main" id="{C5608CDF-85DF-3EE6-A78C-BE912CE313DD}"/>
+                <a16:creationId xmlns:a16="http://schemas.microsoft.com/office/drawing/2014/main" id="{36790AAC-08B9-F52B-2F82-027A13D50095}"/>
               </a:ext>
             </a:extLst>
           </p:cNvPr>
@@ -2507,7 +2507,7 @@
           <p:cNvPr id="3" name="图片占位符 2">
             <a:extLst>
               <a:ext uri="{FF2B5EF4-FFF2-40B4-BE49-F238E27FC236}">
-                <a16:creationId xmlns:a16="http://schemas.microsoft.com/office/drawing/2014/main" id="{F8EB541D-AEF3-4A0F-D88B-4B2DFD8555DB}"/>
+                <a16:creationId xmlns:a16="http://schemas.microsoft.com/office/drawing/2014/main" id="{873D89CF-8739-325D-EEDB-81E2B2417544}"/>
               </a:ext>
             </a:extLst>
           </p:cNvPr>
@@ -2574,7 +2574,7 @@
           <p:cNvPr id="4" name="文本占位符 3">
             <a:extLst>
               <a:ext uri="{FF2B5EF4-FFF2-40B4-BE49-F238E27FC236}">
-                <a16:creationId xmlns:a16="http://schemas.microsoft.com/office/drawing/2014/main" id="{F9EF4795-D706-4F38-23E3-8B89D52688D8}"/>
+                <a16:creationId xmlns:a16="http://schemas.microsoft.com/office/drawing/2014/main" id="{1FA6840C-A157-5364-E8E3-A456BC84BFB8}"/>
               </a:ext>
             </a:extLst>
           </p:cNvPr>
@@ -2645,7 +2645,7 @@
           <p:cNvPr id="5" name="日期占位符 4">
             <a:extLst>
               <a:ext uri="{FF2B5EF4-FFF2-40B4-BE49-F238E27FC236}">
-                <a16:creationId xmlns:a16="http://schemas.microsoft.com/office/drawing/2014/main" id="{574BA580-F514-848D-BC85-6A8843659D23}"/>
+                <a16:creationId xmlns:a16="http://schemas.microsoft.com/office/drawing/2014/main" id="{63E4023E-1A84-A41C-5B5A-E93DBCCF1DAA}"/>
               </a:ext>
             </a:extLst>
           </p:cNvPr>
@@ -2661,7 +2661,7 @@
           <a:bodyPr/>
           <a:lstStyle/>
           <a:p>
-            <a:fld id="{35B1EF9E-D5F9-4E9D-A36F-A3C6DAF8C574}" type="datetimeFigureOut">
+            <a:fld id="{2804F26E-2F38-48BE-9E5A-CF8F3315315B}" type="datetimeFigureOut">
               <a:rPr lang="zh-CN" altLang="en-US" smtClean="0"/>
               <a:t>2024/3/10</a:t>
             </a:fld>
@@ -2674,7 +2674,7 @@
           <p:cNvPr id="6" name="页脚占位符 5">
             <a:extLst>
               <a:ext uri="{FF2B5EF4-FFF2-40B4-BE49-F238E27FC236}">
-                <a16:creationId xmlns:a16="http://schemas.microsoft.com/office/drawing/2014/main" id="{70D49801-4D9A-F430-5FAE-8121D53BD113}"/>
+                <a16:creationId xmlns:a16="http://schemas.microsoft.com/office/drawing/2014/main" id="{B3AC2E76-9280-11E7-DAD7-8DAE47F937AC}"/>
               </a:ext>
             </a:extLst>
           </p:cNvPr>
@@ -2699,7 +2699,7 @@
           <p:cNvPr id="7" name="灯片编号占位符 6">
             <a:extLst>
               <a:ext uri="{FF2B5EF4-FFF2-40B4-BE49-F238E27FC236}">
-                <a16:creationId xmlns:a16="http://schemas.microsoft.com/office/drawing/2014/main" id="{83485067-7D2F-DDFC-24A9-B303236191EB}"/>
+                <a16:creationId xmlns:a16="http://schemas.microsoft.com/office/drawing/2014/main" id="{536C00E7-F86F-0F18-4785-0688A6EFE8A2}"/>
               </a:ext>
             </a:extLst>
           </p:cNvPr>
@@ -2715,7 +2715,7 @@
           <a:bodyPr/>
           <a:lstStyle/>
           <a:p>
-            <a:fld id="{F3C63C7B-9B4F-4D1C-8571-35D918DD4379}" type="slidenum">
+            <a:fld id="{B033BC8C-061F-46A3-A7AB-5F7DDED974CD}" type="slidenum">
               <a:rPr lang="zh-CN" altLang="en-US" smtClean="0"/>
               <a:t>‹#›</a:t>
             </a:fld>
@@ -2726,7 +2726,7 @@
     </p:spTree>
     <p:extLst>
       <p:ext uri="{BB962C8B-B14F-4D97-AF65-F5344CB8AC3E}">
-        <p14:creationId xmlns:p14="http://schemas.microsoft.com/office/powerpoint/2010/main" val="1822052328"/>
+        <p14:creationId xmlns:p14="http://schemas.microsoft.com/office/powerpoint/2010/main" val="2256704152"/>
       </p:ext>
     </p:extLst>
   </p:cSld>
@@ -2763,7 +2763,7 @@
           <p:cNvPr id="2" name="标题占位符 1">
             <a:extLst>
               <a:ext uri="{FF2B5EF4-FFF2-40B4-BE49-F238E27FC236}">
-                <a16:creationId xmlns:a16="http://schemas.microsoft.com/office/drawing/2014/main" id="{1E4E3CFB-2F0C-82C4-A4F3-673F4E00FC4E}"/>
+                <a16:creationId xmlns:a16="http://schemas.microsoft.com/office/drawing/2014/main" id="{4C610591-CEA3-7F8A-1BC1-795BD90D932F}"/>
               </a:ext>
             </a:extLst>
           </p:cNvPr>
@@ -2801,7 +2801,7 @@
           <p:cNvPr id="3" name="文本占位符 2">
             <a:extLst>
               <a:ext uri="{FF2B5EF4-FFF2-40B4-BE49-F238E27FC236}">
-                <a16:creationId xmlns:a16="http://schemas.microsoft.com/office/drawing/2014/main" id="{61CFFC83-F158-E8DE-562F-0046AD0DA13B}"/>
+                <a16:creationId xmlns:a16="http://schemas.microsoft.com/office/drawing/2014/main" id="{7C7C7398-7B17-3419-DF90-5448039D02E3}"/>
               </a:ext>
             </a:extLst>
           </p:cNvPr>
@@ -2868,7 +2868,7 @@
           <p:cNvPr id="4" name="日期占位符 3">
             <a:extLst>
               <a:ext uri="{FF2B5EF4-FFF2-40B4-BE49-F238E27FC236}">
-                <a16:creationId xmlns:a16="http://schemas.microsoft.com/office/drawing/2014/main" id="{99163F9A-EEDC-E452-050F-87BCBB18F104}"/>
+                <a16:creationId xmlns:a16="http://schemas.microsoft.com/office/drawing/2014/main" id="{6F116AB2-5D00-F704-268F-0287F00C4B1B}"/>
               </a:ext>
             </a:extLst>
           </p:cNvPr>
@@ -2902,7 +2902,7 @@
             </a:lvl1pPr>
           </a:lstStyle>
           <a:p>
-            <a:fld id="{35B1EF9E-D5F9-4E9D-A36F-A3C6DAF8C574}" type="datetimeFigureOut">
+            <a:fld id="{2804F26E-2F38-48BE-9E5A-CF8F3315315B}" type="datetimeFigureOut">
               <a:rPr lang="zh-CN" altLang="en-US" smtClean="0"/>
               <a:t>2024/3/10</a:t>
             </a:fld>
@@ -2915,7 +2915,7 @@
           <p:cNvPr id="5" name="页脚占位符 4">
             <a:extLst>
               <a:ext uri="{FF2B5EF4-FFF2-40B4-BE49-F238E27FC236}">
-                <a16:creationId xmlns:a16="http://schemas.microsoft.com/office/drawing/2014/main" id="{4276F935-6B87-B862-D6C1-F7DFD0EEC8A1}"/>
+                <a16:creationId xmlns:a16="http://schemas.microsoft.com/office/drawing/2014/main" id="{8A6AFDFA-3FBD-88A3-604F-0220DD304F81}"/>
               </a:ext>
             </a:extLst>
           </p:cNvPr>
@@ -2958,7 +2958,7 @@
           <p:cNvPr id="6" name="灯片编号占位符 5">
             <a:extLst>
               <a:ext uri="{FF2B5EF4-FFF2-40B4-BE49-F238E27FC236}">
-                <a16:creationId xmlns:a16="http://schemas.microsoft.com/office/drawing/2014/main" id="{07162BF9-3363-50E5-5C50-C4C511CC1B5D}"/>
+                <a16:creationId xmlns:a16="http://schemas.microsoft.com/office/drawing/2014/main" id="{5A84B7A2-B9BD-04CB-9AFE-A43411056480}"/>
               </a:ext>
             </a:extLst>
           </p:cNvPr>
@@ -2992,7 +2992,7 @@
             </a:lvl1pPr>
           </a:lstStyle>
           <a:p>
-            <a:fld id="{F3C63C7B-9B4F-4D1C-8571-35D918DD4379}" type="slidenum">
+            <a:fld id="{B033BC8C-061F-46A3-A7AB-5F7DDED974CD}" type="slidenum">
               <a:rPr lang="zh-CN" altLang="en-US" smtClean="0"/>
               <a:t>‹#›</a:t>
             </a:fld>
@@ -3003,7 +3003,7 @@
     </p:spTree>
     <p:extLst>
       <p:ext uri="{BB962C8B-B14F-4D97-AF65-F5344CB8AC3E}">
-        <p14:creationId xmlns:p14="http://schemas.microsoft.com/office/powerpoint/2010/main" val="3879796727"/>
+        <p14:creationId xmlns:p14="http://schemas.microsoft.com/office/powerpoint/2010/main" val="630320670"/>
       </p:ext>
     </p:extLst>
   </p:cSld>
@@ -3323,7 +3323,7 @@
       </p:grpSpPr>
       <p:pic>
         <p:nvPicPr>
-          <p:cNvPr id="173058" name="Picture 2" descr="168"/>
+          <p:cNvPr id="174082" name="Picture 2" descr="169"/>
           <p:cNvPicPr>
             <a:picLocks noChangeAspect="1" noChangeArrowheads="1"/>
           </p:cNvPicPr>
@@ -3373,6 +3373,30 @@
               </a14:hiddenLine>
             </a:ext>
           </a:extLst>
+        </p:spPr>
+      </p:pic>
+      <p:pic>
+        <p:nvPicPr>
+          <p:cNvPr id="2" name="图片 1"/>
+          <p:cNvPicPr>
+            <a:picLocks noChangeAspect="1"/>
+          </p:cNvPicPr>
+          <p:nvPr/>
+        </p:nvPicPr>
+        <p:blipFill>
+          <a:blip r:embed="rId3"/>
+          <a:stretch>
+            <a:fillRect/>
+          </a:stretch>
+        </p:blipFill>
+        <p:spPr>
+          <a:xfrm>
+            <a:off x="2783632" y="3501008"/>
+            <a:ext cx="381000" cy="400050"/>
+          </a:xfrm>
+          <a:prstGeom prst="rect">
+            <a:avLst/>
+          </a:prstGeom>
         </p:spPr>
       </p:pic>
     </p:spTree>
